--- a/Contents/FinalProject/Submission/YourFullName/Bui_Nhat_Minh/Tổng kết cuối khóa.pptx
+++ b/Contents/FinalProject/Submission/YourFullName/Bui_Nhat_Minh/Tổng kết cuối khóa.pptx
@@ -226,7 +226,7 @@
           <a:p>
             <a:fld id="{B56F32FC-4BD9-442A-A8C6-51598C909FE3}" type="datetimeFigureOut">
               <a:rPr lang="en-US" smtClean="0"/>
-              <a:t>11/16/2022</a:t>
+              <a:t>11/19/2022</a:t>
             </a:fld>
             <a:endParaRPr lang="en-US" dirty="0"/>
           </a:p>
@@ -403,7 +403,7 @@
           <a:p>
             <a:fld id="{056371FA-A98D-41E8-93F4-09945841298A}" type="datetimeFigureOut">
               <a:rPr lang="en-US" smtClean="0"/>
-              <a:t>11/16/2022</a:t>
+              <a:t>11/19/2022</a:t>
             </a:fld>
             <a:endParaRPr lang="en-US" dirty="0"/>
           </a:p>
@@ -10853,8 +10853,19 @@
                 <a:latin typeface="Arial" panose="020B0604020202020204" pitchFamily="34" charset="0"/>
                 <a:cs typeface="Arial" panose="020B0604020202020204" pitchFamily="34" charset="0"/>
               </a:rPr>
-              <a:t> học: JSA-06 </a:t>
-            </a:r>
+              <a:t> học</a:t>
+            </a:r>
+            <a:r>
+              <a:rPr lang="en-US">
+                <a:latin typeface="Arial" panose="020B0604020202020204" pitchFamily="34" charset="0"/>
+                <a:cs typeface="Arial" panose="020B0604020202020204" pitchFamily="34" charset="0"/>
+              </a:rPr>
+              <a:t>: NCT-CSA06 </a:t>
+            </a:r>
+            <a:endParaRPr lang="en-US" dirty="0">
+              <a:latin typeface="Arial" panose="020B0604020202020204" pitchFamily="34" charset="0"/>
+              <a:cs typeface="Arial" panose="020B0604020202020204" pitchFamily="34" charset="0"/>
+            </a:endParaRPr>
           </a:p>
         </p:txBody>
       </p:sp>
@@ -13313,34 +13324,6 @@
 </file>
 
 <file path=customXml/item1.xml><?xml version="1.0" encoding="utf-8"?>
-<p:properties xmlns:p="http://schemas.microsoft.com/office/2006/metadata/properties" xmlns:xsi="http://www.w3.org/2001/XMLSchema-instance" xmlns:pc="http://schemas.microsoft.com/office/infopath/2007/PartnerControls">
-  <documentManagement>
-    <_ip_UnifiedCompliancePolicyUIAction xmlns="http://schemas.microsoft.com/sharepoint/v3" xsi:nil="true"/>
-    <Image xmlns="71af3243-3dd4-4a8d-8c0d-dd76da1f02a5">
-      <Url xsi:nil="true"/>
-      <Description xsi:nil="true"/>
-    </Image>
-    <Status xmlns="71af3243-3dd4-4a8d-8c0d-dd76da1f02a5">Not started</Status>
-    <_ip_UnifiedCompliancePolicyProperties xmlns="http://schemas.microsoft.com/sharepoint/v3" xsi:nil="true"/>
-    <ImageTagsTaxHTField xmlns="71af3243-3dd4-4a8d-8c0d-dd76da1f02a5">
-      <Terms xmlns="http://schemas.microsoft.com/office/infopath/2007/PartnerControls"/>
-    </ImageTagsTaxHTField>
-    <TaxCatchAll xmlns="230e9df3-be65-4c73-a93b-d1236ebd677e"/>
-    <MediaServiceKeyPoints xmlns="71af3243-3dd4-4a8d-8c0d-dd76da1f02a5" xsi:nil="true"/>
-  </documentManagement>
-</p:properties>
-</file>
-
-<file path=customXml/item2.xml><?xml version="1.0" encoding="utf-8"?>
-<?mso-contentType ?>
-<FormTemplates xmlns="http://schemas.microsoft.com/sharepoint/v3/contenttype/forms">
-  <Display>DocumentLibraryForm</Display>
-  <Edit>DocumentLibraryForm</Edit>
-  <New>DocumentLibraryForm</New>
-</FormTemplates>
-</file>
-
-<file path=customXml/item3.xml><?xml version="1.0" encoding="utf-8"?>
 <ct:contentTypeSchema xmlns:ct="http://schemas.microsoft.com/office/2006/metadata/contentType" xmlns:ma="http://schemas.microsoft.com/office/2006/metadata/properties/metaAttributes" ct:_="" ma:_="" ma:contentTypeName="Document" ma:contentTypeID="0x01010079F111ED35F8CC479449609E8A0923A6" ma:contentTypeVersion="20" ma:contentTypeDescription="Create a new document." ma:contentTypeScope="" ma:versionID="1267097ee5f5874adfcc408041ae252e">
   <xsd:schema xmlns:xsd="http://www.w3.org/2001/XMLSchema" xmlns:xs="http://www.w3.org/2001/XMLSchema" xmlns:p="http://schemas.microsoft.com/office/2006/metadata/properties" xmlns:ns1="http://schemas.microsoft.com/sharepoint/v3" xmlns:ns2="71af3243-3dd4-4a8d-8c0d-dd76da1f02a5" xmlns:ns3="16c05727-aa75-4e4a-9b5f-8a80a1165891" xmlns:ns4="230e9df3-be65-4c73-a93b-d1236ebd677e" targetNamespace="http://schemas.microsoft.com/office/2006/metadata/properties" ma:root="true" ma:fieldsID="395891a93df65b14727750f2c06c306c" ns1:_="" ns2:_="" ns3:_="" ns4:_="">
     <xsd:import namespace="http://schemas.microsoft.com/sharepoint/v3"/>
@@ -13616,27 +13599,35 @@
 </ct:contentTypeSchema>
 </file>
 
-<file path=customXml/itemProps1.xml><?xml version="1.0" encoding="utf-8"?>
-<ds:datastoreItem xmlns:ds="http://schemas.openxmlformats.org/officeDocument/2006/customXml" ds:itemID="{29C43685-694E-4579-B109-3C418D49DA65}">
-  <ds:schemaRefs>
-    <ds:schemaRef ds:uri="http://schemas.microsoft.com/office/2006/metadata/properties"/>
-    <ds:schemaRef ds:uri="http://schemas.microsoft.com/office/infopath/2007/PartnerControls"/>
-    <ds:schemaRef ds:uri="http://schemas.microsoft.com/sharepoint/v3"/>
-    <ds:schemaRef ds:uri="71af3243-3dd4-4a8d-8c0d-dd76da1f02a5"/>
-    <ds:schemaRef ds:uri="230e9df3-be65-4c73-a93b-d1236ebd677e"/>
-  </ds:schemaRefs>
-</ds:datastoreItem>
+<file path=customXml/item2.xml><?xml version="1.0" encoding="utf-8"?>
+<?mso-contentType ?>
+<FormTemplates xmlns="http://schemas.microsoft.com/sharepoint/v3/contenttype/forms">
+  <Display>DocumentLibraryForm</Display>
+  <Edit>DocumentLibraryForm</Edit>
+  <New>DocumentLibraryForm</New>
+</FormTemplates>
 </file>
 
-<file path=customXml/itemProps2.xml><?xml version="1.0" encoding="utf-8"?>
-<ds:datastoreItem xmlns:ds="http://schemas.openxmlformats.org/officeDocument/2006/customXml" ds:itemID="{0FD6FE22-81A0-4500-AFD0-342D21BB9A2C}">
-  <ds:schemaRefs>
-    <ds:schemaRef ds:uri="http://schemas.microsoft.com/sharepoint/v3/contenttype/forms"/>
-  </ds:schemaRefs>
-</ds:datastoreItem>
+<file path=customXml/item3.xml><?xml version="1.0" encoding="utf-8"?>
+<p:properties xmlns:p="http://schemas.microsoft.com/office/2006/metadata/properties" xmlns:xsi="http://www.w3.org/2001/XMLSchema-instance" xmlns:pc="http://schemas.microsoft.com/office/infopath/2007/PartnerControls">
+  <documentManagement>
+    <_ip_UnifiedCompliancePolicyUIAction xmlns="http://schemas.microsoft.com/sharepoint/v3" xsi:nil="true"/>
+    <Image xmlns="71af3243-3dd4-4a8d-8c0d-dd76da1f02a5">
+      <Url xsi:nil="true"/>
+      <Description xsi:nil="true"/>
+    </Image>
+    <Status xmlns="71af3243-3dd4-4a8d-8c0d-dd76da1f02a5">Not started</Status>
+    <_ip_UnifiedCompliancePolicyProperties xmlns="http://schemas.microsoft.com/sharepoint/v3" xsi:nil="true"/>
+    <ImageTagsTaxHTField xmlns="71af3243-3dd4-4a8d-8c0d-dd76da1f02a5">
+      <Terms xmlns="http://schemas.microsoft.com/office/infopath/2007/PartnerControls"/>
+    </ImageTagsTaxHTField>
+    <TaxCatchAll xmlns="230e9df3-be65-4c73-a93b-d1236ebd677e"/>
+    <MediaServiceKeyPoints xmlns="71af3243-3dd4-4a8d-8c0d-dd76da1f02a5" xsi:nil="true"/>
+  </documentManagement>
+</p:properties>
 </file>
 
-<file path=customXml/itemProps3.xml><?xml version="1.0" encoding="utf-8"?>
+<file path=customXml/itemProps1.xml><?xml version="1.0" encoding="utf-8"?>
 <ds:datastoreItem xmlns:ds="http://schemas.openxmlformats.org/officeDocument/2006/customXml" ds:itemID="{CC96B61E-1B64-430F-934F-7D1B90028029}">
   <ds:schemaRefs>
     <ds:schemaRef ds:uri="http://schemas.microsoft.com/office/2006/metadata/contentType"/>
@@ -13657,6 +13648,26 @@
 </ds:datastoreItem>
 </file>
 
+<file path=customXml/itemProps2.xml><?xml version="1.0" encoding="utf-8"?>
+<ds:datastoreItem xmlns:ds="http://schemas.openxmlformats.org/officeDocument/2006/customXml" ds:itemID="{0FD6FE22-81A0-4500-AFD0-342D21BB9A2C}">
+  <ds:schemaRefs>
+    <ds:schemaRef ds:uri="http://schemas.microsoft.com/sharepoint/v3/contenttype/forms"/>
+  </ds:schemaRefs>
+</ds:datastoreItem>
+</file>
+
+<file path=customXml/itemProps3.xml><?xml version="1.0" encoding="utf-8"?>
+<ds:datastoreItem xmlns:ds="http://schemas.openxmlformats.org/officeDocument/2006/customXml" ds:itemID="{29C43685-694E-4579-B109-3C418D49DA65}">
+  <ds:schemaRefs>
+    <ds:schemaRef ds:uri="http://schemas.microsoft.com/office/2006/metadata/properties"/>
+    <ds:schemaRef ds:uri="http://schemas.microsoft.com/office/infopath/2007/PartnerControls"/>
+    <ds:schemaRef ds:uri="http://schemas.microsoft.com/sharepoint/v3"/>
+    <ds:schemaRef ds:uri="71af3243-3dd4-4a8d-8c0d-dd76da1f02a5"/>
+    <ds:schemaRef ds:uri="230e9df3-be65-4c73-a93b-d1236ebd677e"/>
+  </ds:schemaRefs>
+</ds:datastoreItem>
+</file>
+
 <file path=docMetadata/LabelInfo.xml><?xml version="1.0" encoding="utf-8"?>
 <clbl:labelList xmlns:clbl="http://schemas.microsoft.com/office/2020/mipLabelMetadata">
   <clbl:label id="{f42aa342-8706-4288-bd11-ebb85995028c}" enabled="1" method="Standard" siteId="{72f988bf-86f1-41af-91ab-2d7cd011db47}" removed="0"/>

--- a/Contents/FinalProject/Submission/YourFullName/Bui_Nhat_Minh/Tổng kết cuối khóa.pptx
+++ b/Contents/FinalProject/Submission/YourFullName/Bui_Nhat_Minh/Tổng kết cuối khóa.pptx
@@ -5,10 +5,10 @@
     <p:sldMasterId id="2147483648" r:id="rId4"/>
   </p:sldMasterIdLst>
   <p:notesMasterIdLst>
-    <p:notesMasterId r:id="rId17"/>
+    <p:notesMasterId r:id="rId18"/>
   </p:notesMasterIdLst>
   <p:handoutMasterIdLst>
-    <p:handoutMasterId r:id="rId18"/>
+    <p:handoutMasterId r:id="rId19"/>
   </p:handoutMasterIdLst>
   <p:sldIdLst>
     <p:sldId id="256" r:id="rId5"/>
@@ -21,8 +21,9 @@
     <p:sldId id="264" r:id="rId12"/>
     <p:sldId id="273" r:id="rId13"/>
     <p:sldId id="265" r:id="rId14"/>
-    <p:sldId id="263" r:id="rId15"/>
-    <p:sldId id="271" r:id="rId16"/>
+    <p:sldId id="275" r:id="rId15"/>
+    <p:sldId id="263" r:id="rId16"/>
+    <p:sldId id="271" r:id="rId17"/>
   </p:sldIdLst>
   <p:sldSz cx="12192000" cy="6858000"/>
   <p:notesSz cx="6858000" cy="9144000"/>
@@ -9712,6 +9713,66 @@
           <a:chExt cx="0" cy="0"/>
         </a:xfrm>
       </p:grpSpPr>
+      <p:pic>
+        <p:nvPicPr>
+          <p:cNvPr id="8" name="Picture 7">
+            <a:extLst>
+              <a:ext uri="{FF2B5EF4-FFF2-40B4-BE49-F238E27FC236}">
+                <a16:creationId xmlns:a16="http://schemas.microsoft.com/office/drawing/2014/main" id="{DDC6D3A8-BB3F-0024-52EB-02D00E05F395}"/>
+              </a:ext>
+            </a:extLst>
+          </p:cNvPr>
+          <p:cNvPicPr>
+            <a:picLocks noChangeAspect="1"/>
+          </p:cNvPicPr>
+          <p:nvPr/>
+        </p:nvPicPr>
+        <p:blipFill>
+          <a:blip r:embed="rId2"/>
+          <a:stretch>
+            <a:fillRect/>
+          </a:stretch>
+        </p:blipFill>
+        <p:spPr>
+          <a:xfrm>
+            <a:off x="0" y="674922"/>
+            <a:ext cx="12192000" cy="5508155"/>
+          </a:xfrm>
+          <a:prstGeom prst="rect">
+            <a:avLst/>
+          </a:prstGeom>
+        </p:spPr>
+      </p:pic>
+    </p:spTree>
+    <p:extLst>
+      <p:ext uri="{BB962C8B-B14F-4D97-AF65-F5344CB8AC3E}">
+        <p14:creationId xmlns:p14="http://schemas.microsoft.com/office/powerpoint/2010/main" val="3045828794"/>
+      </p:ext>
+    </p:extLst>
+  </p:cSld>
+  <p:clrMapOvr>
+    <a:masterClrMapping/>
+  </p:clrMapOvr>
+</p:sld>
+</file>
+
+<file path=ppt/slides/slide12.xml><?xml version="1.0" encoding="utf-8"?>
+<p:sld xmlns:a="http://schemas.openxmlformats.org/drawingml/2006/main" xmlns:r="http://schemas.openxmlformats.org/officeDocument/2006/relationships" xmlns:p="http://schemas.openxmlformats.org/presentationml/2006/main">
+  <p:cSld>
+    <p:spTree>
+      <p:nvGrpSpPr>
+        <p:cNvPr id="1" name=""/>
+        <p:cNvGrpSpPr/>
+        <p:nvPr/>
+      </p:nvGrpSpPr>
+      <p:grpSpPr>
+        <a:xfrm>
+          <a:off x="0" y="0"/>
+          <a:ext cx="0" cy="0"/>
+          <a:chOff x="0" y="0"/>
+          <a:chExt cx="0" cy="0"/>
+        </a:xfrm>
+      </p:grpSpPr>
       <p:sp>
         <p:nvSpPr>
           <p:cNvPr id="2" name="Title 1">
@@ -10267,7 +10328,7 @@
 </p:sld>
 </file>
 
-<file path=ppt/slides/slide12.xml><?xml version="1.0" encoding="utf-8"?>
+<file path=ppt/slides/slide13.xml><?xml version="1.0" encoding="utf-8"?>
 <p:sld xmlns:a="http://schemas.openxmlformats.org/drawingml/2006/main" xmlns:r="http://schemas.openxmlformats.org/officeDocument/2006/relationships" xmlns:p="http://schemas.openxmlformats.org/presentationml/2006/main">
   <p:cSld>
     <p:spTree>
@@ -12481,7 +12542,7 @@
         </p:blipFill>
         <p:spPr>
           <a:xfrm>
-            <a:off x="0" y="1199890"/>
+            <a:off x="0" y="1716725"/>
             <a:ext cx="7603074" cy="3424550"/>
           </a:xfrm>
           <a:prstGeom prst="rect">
@@ -12511,7 +12572,7 @@
         </p:blipFill>
         <p:spPr>
           <a:xfrm>
-            <a:off x="7845287" y="1035432"/>
+            <a:off x="7603074" y="1716725"/>
             <a:ext cx="4134678" cy="3753466"/>
           </a:xfrm>
           <a:prstGeom prst="rect">
@@ -13324,6 +13385,34 @@
 </file>
 
 <file path=customXml/item1.xml><?xml version="1.0" encoding="utf-8"?>
+<p:properties xmlns:p="http://schemas.microsoft.com/office/2006/metadata/properties" xmlns:xsi="http://www.w3.org/2001/XMLSchema-instance" xmlns:pc="http://schemas.microsoft.com/office/infopath/2007/PartnerControls">
+  <documentManagement>
+    <_ip_UnifiedCompliancePolicyUIAction xmlns="http://schemas.microsoft.com/sharepoint/v3" xsi:nil="true"/>
+    <Image xmlns="71af3243-3dd4-4a8d-8c0d-dd76da1f02a5">
+      <Url xsi:nil="true"/>
+      <Description xsi:nil="true"/>
+    </Image>
+    <Status xmlns="71af3243-3dd4-4a8d-8c0d-dd76da1f02a5">Not started</Status>
+    <_ip_UnifiedCompliancePolicyProperties xmlns="http://schemas.microsoft.com/sharepoint/v3" xsi:nil="true"/>
+    <ImageTagsTaxHTField xmlns="71af3243-3dd4-4a8d-8c0d-dd76da1f02a5">
+      <Terms xmlns="http://schemas.microsoft.com/office/infopath/2007/PartnerControls"/>
+    </ImageTagsTaxHTField>
+    <TaxCatchAll xmlns="230e9df3-be65-4c73-a93b-d1236ebd677e"/>
+    <MediaServiceKeyPoints xmlns="71af3243-3dd4-4a8d-8c0d-dd76da1f02a5" xsi:nil="true"/>
+  </documentManagement>
+</p:properties>
+</file>
+
+<file path=customXml/item2.xml><?xml version="1.0" encoding="utf-8"?>
+<?mso-contentType ?>
+<FormTemplates xmlns="http://schemas.microsoft.com/sharepoint/v3/contenttype/forms">
+  <Display>DocumentLibraryForm</Display>
+  <Edit>DocumentLibraryForm</Edit>
+  <New>DocumentLibraryForm</New>
+</FormTemplates>
+</file>
+
+<file path=customXml/item3.xml><?xml version="1.0" encoding="utf-8"?>
 <ct:contentTypeSchema xmlns:ct="http://schemas.microsoft.com/office/2006/metadata/contentType" xmlns:ma="http://schemas.microsoft.com/office/2006/metadata/properties/metaAttributes" ct:_="" ma:_="" ma:contentTypeName="Document" ma:contentTypeID="0x01010079F111ED35F8CC479449609E8A0923A6" ma:contentTypeVersion="20" ma:contentTypeDescription="Create a new document." ma:contentTypeScope="" ma:versionID="1267097ee5f5874adfcc408041ae252e">
   <xsd:schema xmlns:xsd="http://www.w3.org/2001/XMLSchema" xmlns:xs="http://www.w3.org/2001/XMLSchema" xmlns:p="http://schemas.microsoft.com/office/2006/metadata/properties" xmlns:ns1="http://schemas.microsoft.com/sharepoint/v3" xmlns:ns2="71af3243-3dd4-4a8d-8c0d-dd76da1f02a5" xmlns:ns3="16c05727-aa75-4e4a-9b5f-8a80a1165891" xmlns:ns4="230e9df3-be65-4c73-a93b-d1236ebd677e" targetNamespace="http://schemas.microsoft.com/office/2006/metadata/properties" ma:root="true" ma:fieldsID="395891a93df65b14727750f2c06c306c" ns1:_="" ns2:_="" ns3:_="" ns4:_="">
     <xsd:import namespace="http://schemas.microsoft.com/sharepoint/v3"/>
@@ -13599,35 +13688,27 @@
 </ct:contentTypeSchema>
 </file>
 
-<file path=customXml/item2.xml><?xml version="1.0" encoding="utf-8"?>
-<?mso-contentType ?>
-<FormTemplates xmlns="http://schemas.microsoft.com/sharepoint/v3/contenttype/forms">
-  <Display>DocumentLibraryForm</Display>
-  <Edit>DocumentLibraryForm</Edit>
-  <New>DocumentLibraryForm</New>
-</FormTemplates>
+<file path=customXml/itemProps1.xml><?xml version="1.0" encoding="utf-8"?>
+<ds:datastoreItem xmlns:ds="http://schemas.openxmlformats.org/officeDocument/2006/customXml" ds:itemID="{29C43685-694E-4579-B109-3C418D49DA65}">
+  <ds:schemaRefs>
+    <ds:schemaRef ds:uri="http://schemas.microsoft.com/office/2006/metadata/properties"/>
+    <ds:schemaRef ds:uri="http://schemas.microsoft.com/office/infopath/2007/PartnerControls"/>
+    <ds:schemaRef ds:uri="http://schemas.microsoft.com/sharepoint/v3"/>
+    <ds:schemaRef ds:uri="71af3243-3dd4-4a8d-8c0d-dd76da1f02a5"/>
+    <ds:schemaRef ds:uri="230e9df3-be65-4c73-a93b-d1236ebd677e"/>
+  </ds:schemaRefs>
+</ds:datastoreItem>
 </file>
 
-<file path=customXml/item3.xml><?xml version="1.0" encoding="utf-8"?>
-<p:properties xmlns:p="http://schemas.microsoft.com/office/2006/metadata/properties" xmlns:xsi="http://www.w3.org/2001/XMLSchema-instance" xmlns:pc="http://schemas.microsoft.com/office/infopath/2007/PartnerControls">
-  <documentManagement>
-    <_ip_UnifiedCompliancePolicyUIAction xmlns="http://schemas.microsoft.com/sharepoint/v3" xsi:nil="true"/>
-    <Image xmlns="71af3243-3dd4-4a8d-8c0d-dd76da1f02a5">
-      <Url xsi:nil="true"/>
-      <Description xsi:nil="true"/>
-    </Image>
-    <Status xmlns="71af3243-3dd4-4a8d-8c0d-dd76da1f02a5">Not started</Status>
-    <_ip_UnifiedCompliancePolicyProperties xmlns="http://schemas.microsoft.com/sharepoint/v3" xsi:nil="true"/>
-    <ImageTagsTaxHTField xmlns="71af3243-3dd4-4a8d-8c0d-dd76da1f02a5">
-      <Terms xmlns="http://schemas.microsoft.com/office/infopath/2007/PartnerControls"/>
-    </ImageTagsTaxHTField>
-    <TaxCatchAll xmlns="230e9df3-be65-4c73-a93b-d1236ebd677e"/>
-    <MediaServiceKeyPoints xmlns="71af3243-3dd4-4a8d-8c0d-dd76da1f02a5" xsi:nil="true"/>
-  </documentManagement>
-</p:properties>
+<file path=customXml/itemProps2.xml><?xml version="1.0" encoding="utf-8"?>
+<ds:datastoreItem xmlns:ds="http://schemas.openxmlformats.org/officeDocument/2006/customXml" ds:itemID="{0FD6FE22-81A0-4500-AFD0-342D21BB9A2C}">
+  <ds:schemaRefs>
+    <ds:schemaRef ds:uri="http://schemas.microsoft.com/sharepoint/v3/contenttype/forms"/>
+  </ds:schemaRefs>
+</ds:datastoreItem>
 </file>
 
-<file path=customXml/itemProps1.xml><?xml version="1.0" encoding="utf-8"?>
+<file path=customXml/itemProps3.xml><?xml version="1.0" encoding="utf-8"?>
 <ds:datastoreItem xmlns:ds="http://schemas.openxmlformats.org/officeDocument/2006/customXml" ds:itemID="{CC96B61E-1B64-430F-934F-7D1B90028029}">
   <ds:schemaRefs>
     <ds:schemaRef ds:uri="http://schemas.microsoft.com/office/2006/metadata/contentType"/>
@@ -13648,26 +13729,6 @@
 </ds:datastoreItem>
 </file>
 
-<file path=customXml/itemProps2.xml><?xml version="1.0" encoding="utf-8"?>
-<ds:datastoreItem xmlns:ds="http://schemas.openxmlformats.org/officeDocument/2006/customXml" ds:itemID="{0FD6FE22-81A0-4500-AFD0-342D21BB9A2C}">
-  <ds:schemaRefs>
-    <ds:schemaRef ds:uri="http://schemas.microsoft.com/sharepoint/v3/contenttype/forms"/>
-  </ds:schemaRefs>
-</ds:datastoreItem>
-</file>
-
-<file path=customXml/itemProps3.xml><?xml version="1.0" encoding="utf-8"?>
-<ds:datastoreItem xmlns:ds="http://schemas.openxmlformats.org/officeDocument/2006/customXml" ds:itemID="{29C43685-694E-4579-B109-3C418D49DA65}">
-  <ds:schemaRefs>
-    <ds:schemaRef ds:uri="http://schemas.microsoft.com/office/2006/metadata/properties"/>
-    <ds:schemaRef ds:uri="http://schemas.microsoft.com/office/infopath/2007/PartnerControls"/>
-    <ds:schemaRef ds:uri="http://schemas.microsoft.com/sharepoint/v3"/>
-    <ds:schemaRef ds:uri="71af3243-3dd4-4a8d-8c0d-dd76da1f02a5"/>
-    <ds:schemaRef ds:uri="230e9df3-be65-4c73-a93b-d1236ebd677e"/>
-  </ds:schemaRefs>
-</ds:datastoreItem>
-</file>
-
 <file path=docMetadata/LabelInfo.xml><?xml version="1.0" encoding="utf-8"?>
 <clbl:labelList xmlns:clbl="http://schemas.microsoft.com/office/2020/mipLabelMetadata">
   <clbl:label id="{f42aa342-8706-4288-bd11-ebb85995028c}" enabled="1" method="Standard" siteId="{72f988bf-86f1-41af-91ab-2d7cd011db47}" removed="0"/>

--- a/Contents/FinalProject/Submission/YourFullName/Bui_Nhat_Minh/Tổng kết cuối khóa.pptx
+++ b/Contents/FinalProject/Submission/YourFullName/Bui_Nhat_Minh/Tổng kết cuối khóa.pptx
@@ -11370,72 +11370,6 @@
               <a:latin typeface="Arial" panose="020B0604020202020204" pitchFamily="34" charset="0"/>
               <a:cs typeface="Arial" panose="020B0604020202020204" pitchFamily="34" charset="0"/>
             </a:endParaRPr>
-          </a:p>
-        </p:txBody>
-      </p:sp>
-      <p:sp>
-        <p:nvSpPr>
-          <p:cNvPr id="16" name="Date Placeholder 15">
-            <a:extLst>
-              <a:ext uri="{FF2B5EF4-FFF2-40B4-BE49-F238E27FC236}">
-                <a16:creationId xmlns:a16="http://schemas.microsoft.com/office/drawing/2014/main" id="{24238BD7-9B10-4E64-B1B4-FDE6DD70AA60}"/>
-              </a:ext>
-            </a:extLst>
-          </p:cNvPr>
-          <p:cNvSpPr>
-            <a:spLocks noGrp="1"/>
-          </p:cNvSpPr>
-          <p:nvPr>
-            <p:ph type="dt" sz="half" idx="10"/>
-          </p:nvPr>
-        </p:nvSpPr>
-        <p:spPr>
-          <a:xfrm>
-            <a:off x="838200" y="6356350"/>
-            <a:ext cx="2743200" cy="365125"/>
-          </a:xfrm>
-        </p:spPr>
-        <p:txBody>
-          <a:bodyPr/>
-          <a:lstStyle/>
-          <a:p>
-            <a:r>
-              <a:rPr lang="en-US" dirty="0"/>
-              <a:t>20XX</a:t>
-            </a:r>
-          </a:p>
-        </p:txBody>
-      </p:sp>
-      <p:sp>
-        <p:nvSpPr>
-          <p:cNvPr id="17" name="Footer Placeholder 16">
-            <a:extLst>
-              <a:ext uri="{FF2B5EF4-FFF2-40B4-BE49-F238E27FC236}">
-                <a16:creationId xmlns:a16="http://schemas.microsoft.com/office/drawing/2014/main" id="{CD3D67B7-A821-49FC-94BE-19EDE9D319A5}"/>
-              </a:ext>
-            </a:extLst>
-          </p:cNvPr>
-          <p:cNvSpPr>
-            <a:spLocks noGrp="1"/>
-          </p:cNvSpPr>
-          <p:nvPr>
-            <p:ph type="ftr" sz="quarter" idx="11"/>
-          </p:nvPr>
-        </p:nvSpPr>
-        <p:spPr>
-          <a:xfrm>
-            <a:off x="6749143" y="6356350"/>
-            <a:ext cx="3775981" cy="365125"/>
-          </a:xfrm>
-        </p:spPr>
-        <p:txBody>
-          <a:bodyPr/>
-          <a:lstStyle/>
-          <a:p>
-            <a:r>
-              <a:rPr lang="en-US" dirty="0"/>
-              <a:t>PRESENTATION TITLE</a:t>
-            </a:r>
           </a:p>
         </p:txBody>
       </p:sp>
@@ -13385,34 +13319,6 @@
 </file>
 
 <file path=customXml/item1.xml><?xml version="1.0" encoding="utf-8"?>
-<p:properties xmlns:p="http://schemas.microsoft.com/office/2006/metadata/properties" xmlns:xsi="http://www.w3.org/2001/XMLSchema-instance" xmlns:pc="http://schemas.microsoft.com/office/infopath/2007/PartnerControls">
-  <documentManagement>
-    <_ip_UnifiedCompliancePolicyUIAction xmlns="http://schemas.microsoft.com/sharepoint/v3" xsi:nil="true"/>
-    <Image xmlns="71af3243-3dd4-4a8d-8c0d-dd76da1f02a5">
-      <Url xsi:nil="true"/>
-      <Description xsi:nil="true"/>
-    </Image>
-    <Status xmlns="71af3243-3dd4-4a8d-8c0d-dd76da1f02a5">Not started</Status>
-    <_ip_UnifiedCompliancePolicyProperties xmlns="http://schemas.microsoft.com/sharepoint/v3" xsi:nil="true"/>
-    <ImageTagsTaxHTField xmlns="71af3243-3dd4-4a8d-8c0d-dd76da1f02a5">
-      <Terms xmlns="http://schemas.microsoft.com/office/infopath/2007/PartnerControls"/>
-    </ImageTagsTaxHTField>
-    <TaxCatchAll xmlns="230e9df3-be65-4c73-a93b-d1236ebd677e"/>
-    <MediaServiceKeyPoints xmlns="71af3243-3dd4-4a8d-8c0d-dd76da1f02a5" xsi:nil="true"/>
-  </documentManagement>
-</p:properties>
-</file>
-
-<file path=customXml/item2.xml><?xml version="1.0" encoding="utf-8"?>
-<?mso-contentType ?>
-<FormTemplates xmlns="http://schemas.microsoft.com/sharepoint/v3/contenttype/forms">
-  <Display>DocumentLibraryForm</Display>
-  <Edit>DocumentLibraryForm</Edit>
-  <New>DocumentLibraryForm</New>
-</FormTemplates>
-</file>
-
-<file path=customXml/item3.xml><?xml version="1.0" encoding="utf-8"?>
 <ct:contentTypeSchema xmlns:ct="http://schemas.microsoft.com/office/2006/metadata/contentType" xmlns:ma="http://schemas.microsoft.com/office/2006/metadata/properties/metaAttributes" ct:_="" ma:_="" ma:contentTypeName="Document" ma:contentTypeID="0x01010079F111ED35F8CC479449609E8A0923A6" ma:contentTypeVersion="20" ma:contentTypeDescription="Create a new document." ma:contentTypeScope="" ma:versionID="1267097ee5f5874adfcc408041ae252e">
   <xsd:schema xmlns:xsd="http://www.w3.org/2001/XMLSchema" xmlns:xs="http://www.w3.org/2001/XMLSchema" xmlns:p="http://schemas.microsoft.com/office/2006/metadata/properties" xmlns:ns1="http://schemas.microsoft.com/sharepoint/v3" xmlns:ns2="71af3243-3dd4-4a8d-8c0d-dd76da1f02a5" xmlns:ns3="16c05727-aa75-4e4a-9b5f-8a80a1165891" xmlns:ns4="230e9df3-be65-4c73-a93b-d1236ebd677e" targetNamespace="http://schemas.microsoft.com/office/2006/metadata/properties" ma:root="true" ma:fieldsID="395891a93df65b14727750f2c06c306c" ns1:_="" ns2:_="" ns3:_="" ns4:_="">
     <xsd:import namespace="http://schemas.microsoft.com/sharepoint/v3"/>
@@ -13688,27 +13594,35 @@
 </ct:contentTypeSchema>
 </file>
 
-<file path=customXml/itemProps1.xml><?xml version="1.0" encoding="utf-8"?>
-<ds:datastoreItem xmlns:ds="http://schemas.openxmlformats.org/officeDocument/2006/customXml" ds:itemID="{29C43685-694E-4579-B109-3C418D49DA65}">
-  <ds:schemaRefs>
-    <ds:schemaRef ds:uri="http://schemas.microsoft.com/office/2006/metadata/properties"/>
-    <ds:schemaRef ds:uri="http://schemas.microsoft.com/office/infopath/2007/PartnerControls"/>
-    <ds:schemaRef ds:uri="http://schemas.microsoft.com/sharepoint/v3"/>
-    <ds:schemaRef ds:uri="71af3243-3dd4-4a8d-8c0d-dd76da1f02a5"/>
-    <ds:schemaRef ds:uri="230e9df3-be65-4c73-a93b-d1236ebd677e"/>
-  </ds:schemaRefs>
-</ds:datastoreItem>
+<file path=customXml/item2.xml><?xml version="1.0" encoding="utf-8"?>
+<?mso-contentType ?>
+<FormTemplates xmlns="http://schemas.microsoft.com/sharepoint/v3/contenttype/forms">
+  <Display>DocumentLibraryForm</Display>
+  <Edit>DocumentLibraryForm</Edit>
+  <New>DocumentLibraryForm</New>
+</FormTemplates>
 </file>
 
-<file path=customXml/itemProps2.xml><?xml version="1.0" encoding="utf-8"?>
-<ds:datastoreItem xmlns:ds="http://schemas.openxmlformats.org/officeDocument/2006/customXml" ds:itemID="{0FD6FE22-81A0-4500-AFD0-342D21BB9A2C}">
-  <ds:schemaRefs>
-    <ds:schemaRef ds:uri="http://schemas.microsoft.com/sharepoint/v3/contenttype/forms"/>
-  </ds:schemaRefs>
-</ds:datastoreItem>
+<file path=customXml/item3.xml><?xml version="1.0" encoding="utf-8"?>
+<p:properties xmlns:p="http://schemas.microsoft.com/office/2006/metadata/properties" xmlns:xsi="http://www.w3.org/2001/XMLSchema-instance" xmlns:pc="http://schemas.microsoft.com/office/infopath/2007/PartnerControls">
+  <documentManagement>
+    <_ip_UnifiedCompliancePolicyUIAction xmlns="http://schemas.microsoft.com/sharepoint/v3" xsi:nil="true"/>
+    <Image xmlns="71af3243-3dd4-4a8d-8c0d-dd76da1f02a5">
+      <Url xsi:nil="true"/>
+      <Description xsi:nil="true"/>
+    </Image>
+    <Status xmlns="71af3243-3dd4-4a8d-8c0d-dd76da1f02a5">Not started</Status>
+    <_ip_UnifiedCompliancePolicyProperties xmlns="http://schemas.microsoft.com/sharepoint/v3" xsi:nil="true"/>
+    <ImageTagsTaxHTField xmlns="71af3243-3dd4-4a8d-8c0d-dd76da1f02a5">
+      <Terms xmlns="http://schemas.microsoft.com/office/infopath/2007/PartnerControls"/>
+    </ImageTagsTaxHTField>
+    <TaxCatchAll xmlns="230e9df3-be65-4c73-a93b-d1236ebd677e"/>
+    <MediaServiceKeyPoints xmlns="71af3243-3dd4-4a8d-8c0d-dd76da1f02a5" xsi:nil="true"/>
+  </documentManagement>
+</p:properties>
 </file>
 
-<file path=customXml/itemProps3.xml><?xml version="1.0" encoding="utf-8"?>
+<file path=customXml/itemProps1.xml><?xml version="1.0" encoding="utf-8"?>
 <ds:datastoreItem xmlns:ds="http://schemas.openxmlformats.org/officeDocument/2006/customXml" ds:itemID="{CC96B61E-1B64-430F-934F-7D1B90028029}">
   <ds:schemaRefs>
     <ds:schemaRef ds:uri="http://schemas.microsoft.com/office/2006/metadata/contentType"/>
@@ -13729,6 +13643,26 @@
 </ds:datastoreItem>
 </file>
 
+<file path=customXml/itemProps2.xml><?xml version="1.0" encoding="utf-8"?>
+<ds:datastoreItem xmlns:ds="http://schemas.openxmlformats.org/officeDocument/2006/customXml" ds:itemID="{0FD6FE22-81A0-4500-AFD0-342D21BB9A2C}">
+  <ds:schemaRefs>
+    <ds:schemaRef ds:uri="http://schemas.microsoft.com/sharepoint/v3/contenttype/forms"/>
+  </ds:schemaRefs>
+</ds:datastoreItem>
+</file>
+
+<file path=customXml/itemProps3.xml><?xml version="1.0" encoding="utf-8"?>
+<ds:datastoreItem xmlns:ds="http://schemas.openxmlformats.org/officeDocument/2006/customXml" ds:itemID="{29C43685-694E-4579-B109-3C418D49DA65}">
+  <ds:schemaRefs>
+    <ds:schemaRef ds:uri="http://schemas.microsoft.com/office/2006/metadata/properties"/>
+    <ds:schemaRef ds:uri="http://schemas.microsoft.com/office/infopath/2007/PartnerControls"/>
+    <ds:schemaRef ds:uri="http://schemas.microsoft.com/sharepoint/v3"/>
+    <ds:schemaRef ds:uri="71af3243-3dd4-4a8d-8c0d-dd76da1f02a5"/>
+    <ds:schemaRef ds:uri="230e9df3-be65-4c73-a93b-d1236ebd677e"/>
+  </ds:schemaRefs>
+</ds:datastoreItem>
+</file>
+
 <file path=docMetadata/LabelInfo.xml><?xml version="1.0" encoding="utf-8"?>
 <clbl:labelList xmlns:clbl="http://schemas.microsoft.com/office/2020/mipLabelMetadata">
   <clbl:label id="{f42aa342-8706-4288-bd11-ebb85995028c}" enabled="1" method="Standard" siteId="{72f988bf-86f1-41af-91ab-2d7cd011db47}" removed="0"/>
